--- a/教學簡報/HTML Message board .pptx
+++ b/教學簡報/HTML Message board .pptx
@@ -242,7 +242,7 @@
             <a:fld id="{A5DCF4EA-E40D-43F8-B4CB-7F82BC812DB7}" type="datetimeFigureOut">
               <a:rPr lang="zh-TW" altLang="en-US" smtClean="0"/>
               <a:pPr/>
-              <a:t>2020/7/15</a:t>
+              <a:t>2020/7/24</a:t>
             </a:fld>
             <a:endParaRPr lang="zh-TW" altLang="en-US" dirty="0"/>
           </a:p>
@@ -1241,7 +1241,7 @@
           <a:p>
             <a:fld id="{3D8CBC75-8284-403E-92F0-16B75D676E39}" type="datetimeFigureOut">
               <a:rPr lang="zh-TW" altLang="en-US" smtClean="0"/>
-              <a:t>2020/7/15</a:t>
+              <a:t>2020/7/24</a:t>
             </a:fld>
             <a:endParaRPr lang="zh-TW" altLang="en-US"/>
           </a:p>
@@ -1369,7 +1369,7 @@
           <a:p>
             <a:fld id="{3D8CBC75-8284-403E-92F0-16B75D676E39}" type="datetimeFigureOut">
               <a:rPr lang="zh-TW" altLang="en-US" smtClean="0"/>
-              <a:t>2020/7/15</a:t>
+              <a:t>2020/7/24</a:t>
             </a:fld>
             <a:endParaRPr lang="zh-TW" altLang="en-US"/>
           </a:p>
@@ -1712,7 +1712,7 @@
           <a:p>
             <a:fld id="{3D8CBC75-8284-403E-92F0-16B75D676E39}" type="datetimeFigureOut">
               <a:rPr lang="zh-TW" altLang="en-US" smtClean="0"/>
-              <a:t>2020/7/15</a:t>
+              <a:t>2020/7/24</a:t>
             </a:fld>
             <a:endParaRPr lang="zh-TW" altLang="en-US"/>
           </a:p>
@@ -2045,7 +2045,7 @@
           <a:p>
             <a:fld id="{3D8CBC75-8284-403E-92F0-16B75D676E39}" type="datetimeFigureOut">
               <a:rPr lang="zh-TW" altLang="en-US" smtClean="0"/>
-              <a:t>2020/7/15</a:t>
+              <a:t>2020/7/24</a:t>
             </a:fld>
             <a:endParaRPr lang="zh-TW" altLang="en-US"/>
           </a:p>
@@ -2414,7 +2414,7 @@
           <a:p>
             <a:fld id="{3D8CBC75-8284-403E-92F0-16B75D676E39}" type="datetimeFigureOut">
               <a:rPr lang="zh-TW" altLang="en-US" smtClean="0"/>
-              <a:t>2020/7/15</a:t>
+              <a:t>2020/7/24</a:t>
             </a:fld>
             <a:endParaRPr lang="zh-TW" altLang="en-US"/>
           </a:p>
@@ -2637,7 +2637,7 @@
           <a:p>
             <a:fld id="{3D8CBC75-8284-403E-92F0-16B75D676E39}" type="datetimeFigureOut">
               <a:rPr lang="zh-TW" altLang="en-US" smtClean="0"/>
-              <a:t>2020/7/15</a:t>
+              <a:t>2020/7/24</a:t>
             </a:fld>
             <a:endParaRPr lang="zh-TW" altLang="en-US"/>
           </a:p>
@@ -3167,7 +3167,7 @@
           <a:p>
             <a:fld id="{3D8CBC75-8284-403E-92F0-16B75D676E39}" type="datetimeFigureOut">
               <a:rPr lang="zh-TW" altLang="en-US" smtClean="0"/>
-              <a:t>2020/7/15</a:t>
+              <a:t>2020/7/24</a:t>
             </a:fld>
             <a:endParaRPr lang="zh-TW" altLang="en-US"/>
           </a:p>
@@ -3448,7 +3448,7 @@
           <a:p>
             <a:fld id="{3D8CBC75-8284-403E-92F0-16B75D676E39}" type="datetimeFigureOut">
               <a:rPr lang="zh-TW" altLang="en-US" smtClean="0"/>
-              <a:t>2020/7/15</a:t>
+              <a:t>2020/7/24</a:t>
             </a:fld>
             <a:endParaRPr lang="zh-TW" altLang="en-US"/>
           </a:p>
@@ -3635,7 +3635,7 @@
           <a:p>
             <a:fld id="{3D8CBC75-8284-403E-92F0-16B75D676E39}" type="datetimeFigureOut">
               <a:rPr lang="zh-TW" altLang="en-US" smtClean="0"/>
-              <a:t>2020/7/15</a:t>
+              <a:t>2020/7/24</a:t>
             </a:fld>
             <a:endParaRPr lang="zh-TW" altLang="en-US"/>
           </a:p>
@@ -4037,7 +4037,7 @@
           <a:p>
             <a:fld id="{3D8CBC75-8284-403E-92F0-16B75D676E39}" type="datetimeFigureOut">
               <a:rPr lang="zh-TW" altLang="en-US" smtClean="0"/>
-              <a:t>2020/7/15</a:t>
+              <a:t>2020/7/24</a:t>
             </a:fld>
             <a:endParaRPr lang="zh-TW" altLang="en-US"/>
           </a:p>
@@ -4457,7 +4457,7 @@
           <a:p>
             <a:fld id="{3D8CBC75-8284-403E-92F0-16B75D676E39}" type="datetimeFigureOut">
               <a:rPr lang="zh-TW" altLang="en-US" smtClean="0"/>
-              <a:t>2020/7/15</a:t>
+              <a:t>2020/7/24</a:t>
             </a:fld>
             <a:endParaRPr lang="zh-TW" altLang="en-US"/>
           </a:p>
@@ -4844,7 +4844,7 @@
             <a:fld id="{3D8CBC75-8284-403E-92F0-16B75D676E39}" type="datetimeFigureOut">
               <a:rPr lang="zh-TW" altLang="en-US" smtClean="0"/>
               <a:pPr/>
-              <a:t>2020/7/15</a:t>
+              <a:t>2020/7/24</a:t>
             </a:fld>
             <a:endParaRPr lang="zh-TW" altLang="en-US" dirty="0"/>
           </a:p>
@@ -6824,15 +6824,22 @@
           <a:p>
             <a:pPr algn="ctr"/>
             <a:r>
-              <a:rPr lang="zh-TW" altLang="en-US" sz="4000" dirty="0">
+              <a:rPr lang="zh-TW" altLang="en-US" sz="4000">
                 <a:solidFill>
                   <a:srgbClr val="0070C0"/>
                 </a:solidFill>
                 <a:latin typeface="微軟正黑體" panose="020B0604030504040204" pitchFamily="34" charset="-120"/>
                 <a:ea typeface="微軟正黑體" panose="020B0604030504040204" pitchFamily="34" charset="-120"/>
               </a:rPr>
-              <a:t>回家作業</a:t>
-            </a:r>
+              <a:t>作業</a:t>
+            </a:r>
+            <a:endParaRPr lang="zh-TW" altLang="en-US" sz="4000" dirty="0">
+              <a:solidFill>
+                <a:srgbClr val="0070C0"/>
+              </a:solidFill>
+              <a:latin typeface="微軟正黑體" panose="020B0604030504040204" pitchFamily="34" charset="-120"/>
+              <a:ea typeface="微軟正黑體" panose="020B0604030504040204" pitchFamily="34" charset="-120"/>
+            </a:endParaRPr>
           </a:p>
         </p:txBody>
       </p:sp>

--- a/教學簡報/HTML Message board .pptx
+++ b/教學簡報/HTML Message board .pptx
@@ -242,7 +242,7 @@
             <a:fld id="{A5DCF4EA-E40D-43F8-B4CB-7F82BC812DB7}" type="datetimeFigureOut">
               <a:rPr lang="zh-TW" altLang="en-US" smtClean="0"/>
               <a:pPr/>
-              <a:t>2020/7/24</a:t>
+              <a:t>2020/12/2</a:t>
             </a:fld>
             <a:endParaRPr lang="zh-TW" altLang="en-US" dirty="0"/>
           </a:p>
@@ -1241,7 +1241,7 @@
           <a:p>
             <a:fld id="{3D8CBC75-8284-403E-92F0-16B75D676E39}" type="datetimeFigureOut">
               <a:rPr lang="zh-TW" altLang="en-US" smtClean="0"/>
-              <a:t>2020/7/24</a:t>
+              <a:t>2020/12/2</a:t>
             </a:fld>
             <a:endParaRPr lang="zh-TW" altLang="en-US"/>
           </a:p>
@@ -1369,7 +1369,7 @@
           <a:p>
             <a:fld id="{3D8CBC75-8284-403E-92F0-16B75D676E39}" type="datetimeFigureOut">
               <a:rPr lang="zh-TW" altLang="en-US" smtClean="0"/>
-              <a:t>2020/7/24</a:t>
+              <a:t>2020/12/2</a:t>
             </a:fld>
             <a:endParaRPr lang="zh-TW" altLang="en-US"/>
           </a:p>
@@ -1712,7 +1712,7 @@
           <a:p>
             <a:fld id="{3D8CBC75-8284-403E-92F0-16B75D676E39}" type="datetimeFigureOut">
               <a:rPr lang="zh-TW" altLang="en-US" smtClean="0"/>
-              <a:t>2020/7/24</a:t>
+              <a:t>2020/12/2</a:t>
             </a:fld>
             <a:endParaRPr lang="zh-TW" altLang="en-US"/>
           </a:p>
@@ -2045,7 +2045,7 @@
           <a:p>
             <a:fld id="{3D8CBC75-8284-403E-92F0-16B75D676E39}" type="datetimeFigureOut">
               <a:rPr lang="zh-TW" altLang="en-US" smtClean="0"/>
-              <a:t>2020/7/24</a:t>
+              <a:t>2020/12/2</a:t>
             </a:fld>
             <a:endParaRPr lang="zh-TW" altLang="en-US"/>
           </a:p>
@@ -2414,7 +2414,7 @@
           <a:p>
             <a:fld id="{3D8CBC75-8284-403E-92F0-16B75D676E39}" type="datetimeFigureOut">
               <a:rPr lang="zh-TW" altLang="en-US" smtClean="0"/>
-              <a:t>2020/7/24</a:t>
+              <a:t>2020/12/2</a:t>
             </a:fld>
             <a:endParaRPr lang="zh-TW" altLang="en-US"/>
           </a:p>
@@ -2637,7 +2637,7 @@
           <a:p>
             <a:fld id="{3D8CBC75-8284-403E-92F0-16B75D676E39}" type="datetimeFigureOut">
               <a:rPr lang="zh-TW" altLang="en-US" smtClean="0"/>
-              <a:t>2020/7/24</a:t>
+              <a:t>2020/12/2</a:t>
             </a:fld>
             <a:endParaRPr lang="zh-TW" altLang="en-US"/>
           </a:p>
@@ -3167,7 +3167,7 @@
           <a:p>
             <a:fld id="{3D8CBC75-8284-403E-92F0-16B75D676E39}" type="datetimeFigureOut">
               <a:rPr lang="zh-TW" altLang="en-US" smtClean="0"/>
-              <a:t>2020/7/24</a:t>
+              <a:t>2020/12/2</a:t>
             </a:fld>
             <a:endParaRPr lang="zh-TW" altLang="en-US"/>
           </a:p>
@@ -3448,7 +3448,7 @@
           <a:p>
             <a:fld id="{3D8CBC75-8284-403E-92F0-16B75D676E39}" type="datetimeFigureOut">
               <a:rPr lang="zh-TW" altLang="en-US" smtClean="0"/>
-              <a:t>2020/7/24</a:t>
+              <a:t>2020/12/2</a:t>
             </a:fld>
             <a:endParaRPr lang="zh-TW" altLang="en-US"/>
           </a:p>
@@ -3635,7 +3635,7 @@
           <a:p>
             <a:fld id="{3D8CBC75-8284-403E-92F0-16B75D676E39}" type="datetimeFigureOut">
               <a:rPr lang="zh-TW" altLang="en-US" smtClean="0"/>
-              <a:t>2020/7/24</a:t>
+              <a:t>2020/12/2</a:t>
             </a:fld>
             <a:endParaRPr lang="zh-TW" altLang="en-US"/>
           </a:p>
@@ -4037,7 +4037,7 @@
           <a:p>
             <a:fld id="{3D8CBC75-8284-403E-92F0-16B75D676E39}" type="datetimeFigureOut">
               <a:rPr lang="zh-TW" altLang="en-US" smtClean="0"/>
-              <a:t>2020/7/24</a:t>
+              <a:t>2020/12/2</a:t>
             </a:fld>
             <a:endParaRPr lang="zh-TW" altLang="en-US"/>
           </a:p>
@@ -4457,7 +4457,7 @@
           <a:p>
             <a:fld id="{3D8CBC75-8284-403E-92F0-16B75D676E39}" type="datetimeFigureOut">
               <a:rPr lang="zh-TW" altLang="en-US" smtClean="0"/>
-              <a:t>2020/7/24</a:t>
+              <a:t>2020/12/2</a:t>
             </a:fld>
             <a:endParaRPr lang="zh-TW" altLang="en-US"/>
           </a:p>
@@ -4844,7 +4844,7 @@
             <a:fld id="{3D8CBC75-8284-403E-92F0-16B75D676E39}" type="datetimeFigureOut">
               <a:rPr lang="zh-TW" altLang="en-US" smtClean="0"/>
               <a:pPr/>
-              <a:t>2020/7/24</a:t>
+              <a:t>2020/12/2</a:t>
             </a:fld>
             <a:endParaRPr lang="zh-TW" altLang="en-US" dirty="0"/>
           </a:p>
@@ -7028,7 +7028,7 @@
         <p:spPr>
           <a:xfrm>
             <a:off x="2664939" y="5435431"/>
-            <a:ext cx="3814121" cy="369332"/>
+            <a:ext cx="3972626" cy="369332"/>
           </a:xfrm>
           <a:prstGeom prst="rect">
             <a:avLst/>
@@ -7041,10 +7041,10 @@
           <a:lstStyle/>
           <a:p>
             <a:r>
-              <a:rPr lang="zh-TW" altLang="en-US" dirty="0">
+              <a:rPr lang="en" altLang="zh-TW" dirty="0">
                 <a:hlinkClick r:id="rId3"/>
               </a:rPr>
-              <a:t>https://forms.gle/NdrrW86jgbSJaeYQ7</a:t>
+              <a:t>https://forms.gle/VorLXmAVd2wm5i6A7</a:t>
             </a:r>
             <a:endParaRPr lang="zh-TW" altLang="en-US" dirty="0"/>
           </a:p>
@@ -7052,13 +7052,17 @@
       </p:sp>
       <p:pic>
         <p:nvPicPr>
-          <p:cNvPr id="4098" name="Picture 2" descr="http://s04.calm9.com/qrcode/2019-10/TCTZTH0BG2.png"/>
+          <p:cNvPr id="5" name="圖片 4">
+            <a:extLst>
+              <a:ext uri="{FF2B5EF4-FFF2-40B4-BE49-F238E27FC236}">
+                <a16:creationId xmlns:a16="http://schemas.microsoft.com/office/drawing/2014/main" id="{3A775406-058A-6B43-8002-BFE0EDB9AF78}"/>
+              </a:ext>
+            </a:extLst>
+          </p:cNvPr>
           <p:cNvPicPr>
-            <a:picLocks noGrp="1" noChangeAspect="1" noChangeArrowheads="1"/>
+            <a:picLocks noChangeAspect="1"/>
           </p:cNvPicPr>
-          <p:nvPr>
-            <p:ph idx="1"/>
-          </p:nvPr>
+          <p:nvPr/>
         </p:nvPicPr>
         <p:blipFill>
           <a:blip r:embed="rId4">
@@ -7068,32 +7072,18 @@
               </a:ext>
             </a:extLst>
           </a:blip>
-          <a:srcRect/>
           <a:stretch>
             <a:fillRect/>
           </a:stretch>
         </p:blipFill>
-        <p:spPr bwMode="auto">
+        <p:spPr>
           <a:xfrm>
-            <a:off x="2339751" y="995933"/>
-            <a:ext cx="4464498" cy="4464498"/>
+            <a:off x="2555776" y="1083844"/>
+            <a:ext cx="4104456" cy="4104456"/>
           </a:xfrm>
           <a:prstGeom prst="rect">
             <a:avLst/>
           </a:prstGeom>
-          <a:noFill/>
-          <a:effectLst>
-            <a:softEdge rad="127000"/>
-          </a:effectLst>
-          <a:extLst>
-            <a:ext uri="{909E8E84-426E-40DD-AFC4-6F175D3DCCD1}">
-              <a14:hiddenFill xmlns:a14="http://schemas.microsoft.com/office/drawing/2010/main">
-                <a:solidFill>
-                  <a:srgbClr val="FFFFFF"/>
-                </a:solidFill>
-              </a14:hiddenFill>
-            </a:ext>
-          </a:extLst>
         </p:spPr>
       </p:pic>
     </p:spTree>
